--- a/Lectures/Lecture 8 - RNA-Seq.pptx
+++ b/Lectures/Lecture 8 - RNA-Seq.pptx
@@ -7173,7 +7173,7 @@
             </a:r>
             <a:r>
               <a:rPr lang="en-US" sz="2000" dirty="0"/>
-              <a:t>, Bowtie, etc.)</a:t>
+              <a:t>, Bowtie2, etc.)</a:t>
             </a:r>
           </a:p>
           <a:p>
@@ -8523,23 +8523,7 @@
             </a:pPr>
             <a:r>
               <a:rPr lang="en-US" sz="2000" dirty="0"/>
-              <a:t>NGS reads are mapped to the genome sequence using mRNA specific variants (e.g. </a:t>
-            </a:r>
-            <a:r>
-              <a:rPr lang="en-US" sz="2000" dirty="0" err="1"/>
-              <a:t>Tophat</a:t>
-            </a:r>
-            <a:r>
-              <a:rPr lang="en-US" sz="2000" dirty="0"/>
-              <a:t>) of the Burrows-Wheeler Transform since RNA-</a:t>
-            </a:r>
-            <a:r>
-              <a:rPr lang="en-US" sz="2000" dirty="0" err="1"/>
-              <a:t>Seq</a:t>
-            </a:r>
-            <a:r>
-              <a:rPr lang="en-US" sz="2000" dirty="0"/>
-              <a:t> reads will not contain intron sequences</a:t>
+              <a:t>NGS reads are mapped to the genome sequence using mRNA specific variants (e.g. Bowtie2) of the Burrows-Wheeler Transform since RNA-Seq reads will not contain intron sequences</a:t>
             </a:r>
           </a:p>
           <a:p>

--- a/Lectures/Lecture 8 - RNA-Seq.pptx
+++ b/Lectures/Lecture 8 - RNA-Seq.pptx
@@ -7173,7 +7173,7 @@
             </a:r>
             <a:r>
               <a:rPr lang="en-US" sz="2000" dirty="0"/>
-              <a:t>, Bowtie2, etc.)</a:t>
+              <a:t>, HiSAT2, etc.)</a:t>
             </a:r>
           </a:p>
           <a:p>
@@ -8523,7 +8523,15 @@
             </a:pPr>
             <a:r>
               <a:rPr lang="en-US" sz="2000" dirty="0"/>
-              <a:t>NGS reads are mapped to the genome sequence using mRNA specific variants (e.g. Bowtie2) of the Burrows-Wheeler Transform since RNA-Seq reads will not contain intron sequences</a:t>
+              <a:t>NGS reads are mapped to the genome sequence using mRNA specific variants (e.g. </a:t>
+            </a:r>
+            <a:r>
+              <a:rPr lang="en-US" sz="2000"/>
+              <a:t>HiSAT2) </a:t>
+            </a:r>
+            <a:r>
+              <a:rPr lang="en-US" sz="2000" dirty="0"/>
+              <a:t>of the Burrows-Wheeler Transform since RNA-Seq reads will not contain intron sequences</a:t>
             </a:r>
           </a:p>
           <a:p>
